--- a/hercules2024_D_coherence_transport.pptx
+++ b/hercules2024_D_coherence_transport.pptx
@@ -247,7 +247,7 @@
             <a:fld id="{D680E798-53FF-4C51-A981-953463752515}" type="datetimeFigureOut">
               <a:rPr lang="fr-FR" smtClean="0"/>
               <a:pPr/>
-              <a:t>24/03/2023</a:t>
+              <a:t>20/03/2024</a:t>
             </a:fld>
             <a:endParaRPr lang="fr-FR"/>
           </a:p>
@@ -765,7 +765,7 @@
           <a:p>
             <a:r>
               <a:rPr lang="en-US" noProof="0" smtClean="0"/>
-              <a:t>OASYS-Coherence transport | HERCULES2023</a:t>
+              <a:t>OASYS-Coherence transport | HERCULES2024</a:t>
             </a:r>
             <a:endParaRPr lang="en-US" noProof="0" dirty="0"/>
           </a:p>
@@ -1095,7 +1095,7 @@
           <a:p>
             <a:r>
               <a:rPr lang="en-US" noProof="0" smtClean="0"/>
-              <a:t>OASYS-Coherence transport | HERCULES2023</a:t>
+              <a:t>OASYS-Coherence transport | HERCULES2024</a:t>
             </a:r>
             <a:endParaRPr lang="en-US" noProof="0"/>
           </a:p>
@@ -1284,7 +1284,7 @@
           <a:p>
             <a:r>
               <a:rPr lang="en-US" noProof="0" smtClean="0"/>
-              <a:t>OASYS-Coherence transport | HERCULES2023</a:t>
+              <a:t>OASYS-Coherence transport | HERCULES2024</a:t>
             </a:r>
             <a:endParaRPr lang="en-US" noProof="0"/>
           </a:p>
@@ -1405,7 +1405,7 @@
           <a:p>
             <a:r>
               <a:rPr lang="en-US" noProof="0" smtClean="0"/>
-              <a:t>OASYS-Coherence transport | HERCULES2023</a:t>
+              <a:t>OASYS-Coherence transport | HERCULES2024</a:t>
             </a:r>
             <a:endParaRPr lang="en-US" noProof="0"/>
           </a:p>
@@ -1639,7 +1639,7 @@
           <a:p>
             <a:r>
               <a:rPr lang="en-US" smtClean="0"/>
-              <a:t>OASYS-Coherence transport | HERCULES2023</a:t>
+              <a:t>OASYS-Coherence transport | HERCULES2024</a:t>
             </a:r>
             <a:endParaRPr lang="fr-FR" dirty="0"/>
           </a:p>
@@ -2135,7 +2135,7 @@
           <a:p>
             <a:r>
               <a:rPr lang="en-US" noProof="0" smtClean="0"/>
-              <a:t>OASYS-Coherence transport | HERCULES2023</a:t>
+              <a:t>OASYS-Coherence transport | HERCULES2024</a:t>
             </a:r>
             <a:endParaRPr lang="en-US" noProof="0" dirty="0"/>
           </a:p>
@@ -2563,7 +2563,7 @@
           <a:p>
             <a:r>
               <a:rPr lang="en-US" noProof="0" smtClean="0"/>
-              <a:t>OASYS-Coherence transport | HERCULES2023</a:t>
+              <a:t>OASYS-Coherence transport | HERCULES2024</a:t>
             </a:r>
             <a:endParaRPr lang="en-US" noProof="0" dirty="0"/>
           </a:p>
@@ -3367,7 +3367,7 @@
           <a:p>
             <a:r>
               <a:rPr lang="en-US" noProof="0" smtClean="0"/>
-              <a:t>OASYS-Coherence transport | HERCULES2023</a:t>
+              <a:t>OASYS-Coherence transport | HERCULES2024</a:t>
             </a:r>
             <a:endParaRPr lang="en-US" noProof="0" dirty="0"/>
           </a:p>
@@ -3874,7 +3874,7 @@
           <a:p>
             <a:r>
               <a:rPr lang="en-US" noProof="0" smtClean="0"/>
-              <a:t>OASYS-Coherence transport | HERCULES2023</a:t>
+              <a:t>OASYS-Coherence transport | HERCULES2024</a:t>
             </a:r>
             <a:endParaRPr lang="en-US" noProof="0" dirty="0"/>
           </a:p>
@@ -5545,7 +5545,7 @@
           <a:p>
             <a:r>
               <a:rPr lang="en-US" noProof="0" smtClean="0"/>
-              <a:t>OASYS-Coherence transport | HERCULES2023</a:t>
+              <a:t>OASYS-Coherence transport | HERCULES2024</a:t>
             </a:r>
             <a:endParaRPr lang="en-US" noProof="0" dirty="0"/>
           </a:p>
@@ -6100,31 +6100,15 @@
             </a:r>
             <a:r>
               <a:rPr lang="en-US" sz="1167" dirty="0" smtClean="0"/>
-              <a:t>27</a:t>
+              <a:t>22</a:t>
             </a:r>
             <a:r>
               <a:rPr lang="en-US" sz="1167" baseline="30000" dirty="0" smtClean="0"/>
-              <a:t>th</a:t>
+              <a:t>nd</a:t>
             </a:r>
             <a:r>
               <a:rPr lang="en-US" sz="1167" dirty="0" smtClean="0"/>
-              <a:t> </a:t>
-            </a:r>
-            <a:r>
-              <a:rPr lang="en-US" sz="1167" dirty="0"/>
-              <a:t>&amp; </a:t>
-            </a:r>
-            <a:r>
-              <a:rPr lang="en-US" sz="1167" dirty="0" smtClean="0"/>
-              <a:t>30</a:t>
-            </a:r>
-            <a:r>
-              <a:rPr lang="en-US" sz="1167" baseline="30000" dirty="0" smtClean="0"/>
-              <a:t>th</a:t>
-            </a:r>
-            <a:r>
-              <a:rPr lang="en-US" sz="1167" dirty="0" smtClean="0"/>
-              <a:t> 2023</a:t>
+              <a:t> 2024</a:t>
             </a:r>
             <a:endParaRPr lang="en-US" sz="1167" dirty="0"/>
           </a:p>
@@ -6211,7 +6195,7 @@
           <a:p>
             <a:r>
               <a:rPr lang="en-GB" sz="833" smtClean="0"/>
-              <a:t>OASYS-Coherence transport | HERCULES2023</a:t>
+              <a:t>OASYS-Coherence transport | HERCULES2024</a:t>
             </a:r>
             <a:endParaRPr lang="fr-FR" sz="833" dirty="0"/>
           </a:p>
@@ -6512,7 +6496,7 @@
           <a:p>
             <a:r>
               <a:rPr lang="en-US" noProof="0" smtClean="0"/>
-              <a:t>OASYS-Coherence transport | HERCULES2023</a:t>
+              <a:t>OASYS-Coherence transport | HERCULES2024</a:t>
             </a:r>
             <a:endParaRPr lang="en-US" noProof="0"/>
           </a:p>
@@ -6894,7 +6878,7 @@
           <a:p>
             <a:r>
               <a:rPr lang="en-US" noProof="0" smtClean="0"/>
-              <a:t>OASYS-Coherence transport | HERCULES2023</a:t>
+              <a:t>OASYS-Coherence transport | HERCULES2024</a:t>
             </a:r>
             <a:endParaRPr lang="en-US" noProof="0"/>
           </a:p>
@@ -7760,7 +7744,7 @@
           <a:p>
             <a:r>
               <a:rPr lang="en-US" noProof="0" smtClean="0"/>
-              <a:t>OASYS-Coherence transport | HERCULES2023</a:t>
+              <a:t>OASYS-Coherence transport | HERCULES2024</a:t>
             </a:r>
             <a:endParaRPr lang="en-US" noProof="0" dirty="0"/>
           </a:p>
@@ -8414,7 +8398,7 @@
           <a:p>
             <a:r>
               <a:rPr lang="en-US" noProof="0" smtClean="0"/>
-              <a:t>OASYS-Coherence transport | HERCULES2023</a:t>
+              <a:t>OASYS-Coherence transport | HERCULES2024</a:t>
             </a:r>
             <a:endParaRPr lang="en-US" noProof="0" dirty="0"/>
           </a:p>
@@ -10666,7 +10650,7 @@
           <a:p>
             <a:r>
               <a:rPr lang="en-US" noProof="0" smtClean="0"/>
-              <a:t>OASYS-Coherence transport | HERCULES2023</a:t>
+              <a:t>OASYS-Coherence transport | HERCULES2024</a:t>
             </a:r>
             <a:endParaRPr lang="en-US" noProof="0" dirty="0"/>
           </a:p>
@@ -11140,7 +11124,7 @@
           <a:p>
             <a:r>
               <a:rPr lang="en-US" noProof="0" smtClean="0"/>
-              <a:t>OASYS-Coherence transport | HERCULES2023</a:t>
+              <a:t>OASYS-Coherence transport | HERCULES2024</a:t>
             </a:r>
             <a:endParaRPr lang="en-US" noProof="0" dirty="0"/>
           </a:p>
@@ -12340,7 +12324,7 @@
           <a:p>
             <a:r>
               <a:rPr lang="en-US" noProof="0" smtClean="0"/>
-              <a:t>OASYS-Coherence transport | HERCULES2023</a:t>
+              <a:t>OASYS-Coherence transport | HERCULES2024</a:t>
             </a:r>
             <a:endParaRPr lang="en-US" noProof="0"/>
           </a:p>
